--- a/Group B Capstone.pptx
+++ b/Group B Capstone.pptx
@@ -7,6 +7,15 @@
   <p:sldIdLst>
     <p:sldId id="256" r:id="rId2"/>
     <p:sldId id="257" r:id="rId3"/>
+    <p:sldId id="261" r:id="rId4"/>
+    <p:sldId id="258" r:id="rId5"/>
+    <p:sldId id="260" r:id="rId6"/>
+    <p:sldId id="262" r:id="rId7"/>
+    <p:sldId id="263" r:id="rId8"/>
+    <p:sldId id="264" r:id="rId9"/>
+    <p:sldId id="265" r:id="rId10"/>
+    <p:sldId id="266" r:id="rId11"/>
+    <p:sldId id="267" r:id="rId12"/>
   </p:sldIdLst>
   <p:sldSz cx="12192000" cy="6858000"/>
   <p:notesSz cx="6858000" cy="9144000"/>
@@ -105,6 +114,11 @@
       </a:defRPr>
     </a:lvl9pPr>
   </p:defaultTextStyle>
+  <p:extLst>
+    <p:ext uri="{EFAFB233-063F-42B5-8137-9DF3F51BA10A}">
+      <p15:sldGuideLst xmlns:p15="http://schemas.microsoft.com/office/powerpoint/2012/main"/>
+    </p:ext>
+  </p:extLst>
 </p:presentation>
 </file>
 
@@ -456,7 +470,7 @@
           <a:p>
             <a:fld id="{3CADBD16-5BFB-4D9F-9646-C75D1B53BBB6}" type="datetimeFigureOut">
               <a:rPr lang="en-US" smtClean="0"/>
-              <a:t>4/4/2023</a:t>
+              <a:t>4/20/2023</a:t>
             </a:fld>
             <a:endParaRPr lang="en-US"/>
           </a:p>
@@ -697,7 +711,7 @@
           <a:p>
             <a:fld id="{3CADBD16-5BFB-4D9F-9646-C75D1B53BBB6}" type="datetimeFigureOut">
               <a:rPr lang="en-US" smtClean="0"/>
-              <a:t>4/4/2023</a:t>
+              <a:t>4/20/2023</a:t>
             </a:fld>
             <a:endParaRPr lang="en-US"/>
           </a:p>
@@ -905,7 +919,7 @@
           <a:p>
             <a:fld id="{3CADBD16-5BFB-4D9F-9646-C75D1B53BBB6}" type="datetimeFigureOut">
               <a:rPr lang="en-US" smtClean="0"/>
-              <a:t>4/4/2023</a:t>
+              <a:t>4/20/2023</a:t>
             </a:fld>
             <a:endParaRPr lang="en-US"/>
           </a:p>
@@ -1103,7 +1117,7 @@
           <a:p>
             <a:fld id="{3CADBD16-5BFB-4D9F-9646-C75D1B53BBB6}" type="datetimeFigureOut">
               <a:rPr lang="en-US" smtClean="0"/>
-              <a:t>4/4/2023</a:t>
+              <a:t>4/20/2023</a:t>
             </a:fld>
             <a:endParaRPr lang="en-US"/>
           </a:p>
@@ -1380,7 +1394,7 @@
           <a:p>
             <a:fld id="{3CADBD16-5BFB-4D9F-9646-C75D1B53BBB6}" type="datetimeFigureOut">
               <a:rPr lang="en-US" smtClean="0"/>
-              <a:t>4/4/2023</a:t>
+              <a:t>4/20/2023</a:t>
             </a:fld>
             <a:endParaRPr lang="en-US"/>
           </a:p>
@@ -1645,7 +1659,7 @@
           <a:p>
             <a:fld id="{3CADBD16-5BFB-4D9F-9646-C75D1B53BBB6}" type="datetimeFigureOut">
               <a:rPr lang="en-US" smtClean="0"/>
-              <a:t>4/4/2023</a:t>
+              <a:t>4/20/2023</a:t>
             </a:fld>
             <a:endParaRPr lang="en-US"/>
           </a:p>
@@ -2061,7 +2075,7 @@
           <a:p>
             <a:fld id="{3CADBD16-5BFB-4D9F-9646-C75D1B53BBB6}" type="datetimeFigureOut">
               <a:rPr lang="en-US" smtClean="0"/>
-              <a:t>4/4/2023</a:t>
+              <a:t>4/20/2023</a:t>
             </a:fld>
             <a:endParaRPr lang="en-US"/>
           </a:p>
@@ -2211,7 +2225,7 @@
           <a:p>
             <a:fld id="{3CADBD16-5BFB-4D9F-9646-C75D1B53BBB6}" type="datetimeFigureOut">
               <a:rPr lang="en-US" smtClean="0"/>
-              <a:t>4/4/2023</a:t>
+              <a:t>4/20/2023</a:t>
             </a:fld>
             <a:endParaRPr lang="en-US"/>
           </a:p>
@@ -2324,7 +2338,7 @@
           <a:p>
             <a:fld id="{3CADBD16-5BFB-4D9F-9646-C75D1B53BBB6}" type="datetimeFigureOut">
               <a:rPr lang="en-US" smtClean="0"/>
-              <a:t>4/4/2023</a:t>
+              <a:t>4/20/2023</a:t>
             </a:fld>
             <a:endParaRPr lang="en-US"/>
           </a:p>
@@ -2640,7 +2654,7 @@
           <a:p>
             <a:fld id="{3CADBD16-5BFB-4D9F-9646-C75D1B53BBB6}" type="datetimeFigureOut">
               <a:rPr lang="en-US" smtClean="0"/>
-              <a:t>4/4/2023</a:t>
+              <a:t>4/20/2023</a:t>
             </a:fld>
             <a:endParaRPr lang="en-US"/>
           </a:p>
@@ -2891,7 +2905,7 @@
           <a:p>
             <a:fld id="{3CADBD16-5BFB-4D9F-9646-C75D1B53BBB6}" type="datetimeFigureOut">
               <a:rPr lang="en-US" smtClean="0"/>
-              <a:t>4/4/2023</a:t>
+              <a:t>4/20/2023</a:t>
             </a:fld>
             <a:endParaRPr lang="en-US"/>
           </a:p>
@@ -3400,7 +3414,7 @@
             <a:fld id="{3CADBD16-5BFB-4D9F-9646-C75D1B53BBB6}" type="datetimeFigureOut">
               <a:rPr lang="en-US" smtClean="0"/>
               <a:pPr/>
-              <a:t>4/4/2023</a:t>
+              <a:t>4/20/2023</a:t>
             </a:fld>
             <a:endParaRPr lang="en-US" dirty="0"/>
           </a:p>
@@ -4426,6 +4440,216 @@
 </p:sld>
 </file>
 
+<file path=ppt/slides/slide10.xml><?xml version="1.0" encoding="utf-8"?>
+<p:sld xmlns:a="http://schemas.openxmlformats.org/drawingml/2006/main" xmlns:r="http://schemas.openxmlformats.org/officeDocument/2006/relationships" xmlns:p="http://schemas.openxmlformats.org/presentationml/2006/main">
+  <p:cSld>
+    <p:spTree>
+      <p:nvGrpSpPr>
+        <p:cNvPr id="1" name=""/>
+        <p:cNvGrpSpPr/>
+        <p:nvPr/>
+      </p:nvGrpSpPr>
+      <p:grpSpPr>
+        <a:xfrm>
+          <a:off x="0" y="0"/>
+          <a:ext cx="0" cy="0"/>
+          <a:chOff x="0" y="0"/>
+          <a:chExt cx="0" cy="0"/>
+        </a:xfrm>
+      </p:grpSpPr>
+      <p:sp>
+        <p:nvSpPr>
+          <p:cNvPr id="2" name="Title 1">
+            <a:extLst>
+              <a:ext uri="{FF2B5EF4-FFF2-40B4-BE49-F238E27FC236}">
+                <a16:creationId xmlns:a16="http://schemas.microsoft.com/office/drawing/2014/main" id="{375EFFE4-3C6B-6931-7F69-76CD4AEC4CEA}"/>
+              </a:ext>
+            </a:extLst>
+          </p:cNvPr>
+          <p:cNvSpPr>
+            <a:spLocks noGrp="1"/>
+          </p:cNvSpPr>
+          <p:nvPr>
+            <p:ph type="title"/>
+          </p:nvPr>
+        </p:nvSpPr>
+        <p:spPr/>
+        <p:txBody>
+          <a:bodyPr/>
+          <a:lstStyle/>
+          <a:p>
+            <a:r>
+              <a:rPr lang="en-US" dirty="0"/>
+              <a:t>What are we most proud of?</a:t>
+            </a:r>
+          </a:p>
+        </p:txBody>
+      </p:sp>
+      <p:sp>
+        <p:nvSpPr>
+          <p:cNvPr id="3" name="Content Placeholder 2">
+            <a:extLst>
+              <a:ext uri="{FF2B5EF4-FFF2-40B4-BE49-F238E27FC236}">
+                <a16:creationId xmlns:a16="http://schemas.microsoft.com/office/drawing/2014/main" id="{8AD47A30-3BFF-9DBA-71E2-CAAE72B5EF98}"/>
+              </a:ext>
+            </a:extLst>
+          </p:cNvPr>
+          <p:cNvSpPr>
+            <a:spLocks noGrp="1"/>
+          </p:cNvSpPr>
+          <p:nvPr>
+            <p:ph idx="1"/>
+          </p:nvPr>
+        </p:nvSpPr>
+        <p:spPr/>
+        <p:txBody>
+          <a:bodyPr/>
+          <a:lstStyle/>
+          <a:p>
+            <a:r>
+              <a:rPr lang="en-US" dirty="0"/>
+              <a:t>Calendar</a:t>
+            </a:r>
+          </a:p>
+          <a:p>
+            <a:r>
+              <a:rPr lang="en-US" dirty="0"/>
+              <a:t>Drag and drop</a:t>
+            </a:r>
+          </a:p>
+          <a:p>
+            <a:r>
+              <a:rPr lang="en-US" dirty="0"/>
+              <a:t>Awards page</a:t>
+            </a:r>
+          </a:p>
+          <a:p>
+            <a:r>
+              <a:rPr lang="en-US" dirty="0"/>
+              <a:t>Getting Tailwind to work</a:t>
+            </a:r>
+          </a:p>
+        </p:txBody>
+      </p:sp>
+    </p:spTree>
+    <p:extLst>
+      <p:ext uri="{BB962C8B-B14F-4D97-AF65-F5344CB8AC3E}">
+        <p14:creationId xmlns:p14="http://schemas.microsoft.com/office/powerpoint/2010/main" val="2762662738"/>
+      </p:ext>
+    </p:extLst>
+  </p:cSld>
+  <p:clrMapOvr>
+    <a:masterClrMapping/>
+  </p:clrMapOvr>
+</p:sld>
+</file>
+
+<file path=ppt/slides/slide11.xml><?xml version="1.0" encoding="utf-8"?>
+<p:sld xmlns:a="http://schemas.openxmlformats.org/drawingml/2006/main" xmlns:r="http://schemas.openxmlformats.org/officeDocument/2006/relationships" xmlns:p="http://schemas.openxmlformats.org/presentationml/2006/main">
+  <p:cSld>
+    <p:spTree>
+      <p:nvGrpSpPr>
+        <p:cNvPr id="1" name=""/>
+        <p:cNvGrpSpPr/>
+        <p:nvPr/>
+      </p:nvGrpSpPr>
+      <p:grpSpPr>
+        <a:xfrm>
+          <a:off x="0" y="0"/>
+          <a:ext cx="0" cy="0"/>
+          <a:chOff x="0" y="0"/>
+          <a:chExt cx="0" cy="0"/>
+        </a:xfrm>
+      </p:grpSpPr>
+      <p:sp>
+        <p:nvSpPr>
+          <p:cNvPr id="2" name="Title 1">
+            <a:extLst>
+              <a:ext uri="{FF2B5EF4-FFF2-40B4-BE49-F238E27FC236}">
+                <a16:creationId xmlns:a16="http://schemas.microsoft.com/office/drawing/2014/main" id="{375EFFE4-3C6B-6931-7F69-76CD4AEC4CEA}"/>
+              </a:ext>
+            </a:extLst>
+          </p:cNvPr>
+          <p:cNvSpPr>
+            <a:spLocks noGrp="1"/>
+          </p:cNvSpPr>
+          <p:nvPr>
+            <p:ph type="title"/>
+          </p:nvPr>
+        </p:nvSpPr>
+        <p:spPr/>
+        <p:txBody>
+          <a:bodyPr/>
+          <a:lstStyle/>
+          <a:p>
+            <a:pPr algn="ctr"/>
+            <a:r>
+              <a:rPr lang="en-US" dirty="0"/>
+              <a:t>Time for presentation!</a:t>
+            </a:r>
+          </a:p>
+        </p:txBody>
+      </p:sp>
+      <p:pic>
+        <p:nvPicPr>
+          <p:cNvPr id="1026" name="Picture 2" descr="Snoop Dogg Rap GIF - Snoop Dogg Rap Hip Hop GIFs">
+            <a:extLst>
+              <a:ext uri="{FF2B5EF4-FFF2-40B4-BE49-F238E27FC236}">
+                <a16:creationId xmlns:a16="http://schemas.microsoft.com/office/drawing/2014/main" id="{D4F011EE-E565-58CA-9873-0E72F2C1AE50}"/>
+              </a:ext>
+            </a:extLst>
+          </p:cNvPr>
+          <p:cNvPicPr>
+            <a:picLocks noChangeAspect="1" noChangeArrowheads="1"/>
+          </p:cNvPicPr>
+          <p:nvPr/>
+        </p:nvPicPr>
+        <p:blipFill>
+          <a:blip r:embed="rId2">
+            <a:extLst>
+              <a:ext uri="{28A0092B-C50C-407E-A947-70E740481C1C}">
+                <a14:useLocalDpi xmlns:a14="http://schemas.microsoft.com/office/drawing/2010/main" val="0"/>
+              </a:ext>
+            </a:extLst>
+          </a:blip>
+          <a:srcRect/>
+          <a:stretch>
+            <a:fillRect/>
+          </a:stretch>
+        </p:blipFill>
+        <p:spPr bwMode="auto">
+          <a:xfrm>
+            <a:off x="4843461" y="2587811"/>
+            <a:ext cx="2505075" cy="3216835"/>
+          </a:xfrm>
+          <a:prstGeom prst="rect">
+            <a:avLst/>
+          </a:prstGeom>
+          <a:noFill/>
+          <a:extLst>
+            <a:ext uri="{909E8E84-426E-40DD-AFC4-6F175D3DCCD1}">
+              <a14:hiddenFill xmlns:a14="http://schemas.microsoft.com/office/drawing/2010/main">
+                <a:solidFill>
+                  <a:srgbClr val="FFFFFF"/>
+                </a:solidFill>
+              </a14:hiddenFill>
+            </a:ext>
+          </a:extLst>
+        </p:spPr>
+      </p:pic>
+    </p:spTree>
+    <p:extLst>
+      <p:ext uri="{BB962C8B-B14F-4D97-AF65-F5344CB8AC3E}">
+        <p14:creationId xmlns:p14="http://schemas.microsoft.com/office/powerpoint/2010/main" val="873413770"/>
+      </p:ext>
+    </p:extLst>
+  </p:cSld>
+  <p:clrMapOvr>
+    <a:masterClrMapping/>
+  </p:clrMapOvr>
+</p:sld>
+</file>
+
 <file path=ppt/slides/slide2.xml><?xml version="1.0" encoding="utf-8"?>
 <p:sld xmlns:a="http://schemas.openxmlformats.org/drawingml/2006/main" xmlns:r="http://schemas.openxmlformats.org/officeDocument/2006/relationships" xmlns:p="http://schemas.openxmlformats.org/presentationml/2006/main">
   <p:cSld>
@@ -4601,6 +4825,885 @@
     <p:extLst>
       <p:ext uri="{BB962C8B-B14F-4D97-AF65-F5344CB8AC3E}">
         <p14:creationId xmlns:p14="http://schemas.microsoft.com/office/powerpoint/2010/main" val="3196718669"/>
+      </p:ext>
+    </p:extLst>
+  </p:cSld>
+  <p:clrMapOvr>
+    <a:masterClrMapping/>
+  </p:clrMapOvr>
+</p:sld>
+</file>
+
+<file path=ppt/slides/slide3.xml><?xml version="1.0" encoding="utf-8"?>
+<p:sld xmlns:a="http://schemas.openxmlformats.org/drawingml/2006/main" xmlns:r="http://schemas.openxmlformats.org/officeDocument/2006/relationships" xmlns:p="http://schemas.openxmlformats.org/presentationml/2006/main">
+  <p:cSld>
+    <p:spTree>
+      <p:nvGrpSpPr>
+        <p:cNvPr id="1" name=""/>
+        <p:cNvGrpSpPr/>
+        <p:nvPr/>
+      </p:nvGrpSpPr>
+      <p:grpSpPr>
+        <a:xfrm>
+          <a:off x="0" y="0"/>
+          <a:ext cx="0" cy="0"/>
+          <a:chOff x="0" y="0"/>
+          <a:chExt cx="0" cy="0"/>
+        </a:xfrm>
+      </p:grpSpPr>
+      <p:sp>
+        <p:nvSpPr>
+          <p:cNvPr id="2" name="Title 1">
+            <a:extLst>
+              <a:ext uri="{FF2B5EF4-FFF2-40B4-BE49-F238E27FC236}">
+                <a16:creationId xmlns:a16="http://schemas.microsoft.com/office/drawing/2014/main" id="{C533BB7C-4CCC-CCDB-FBF8-924464CB2CB9}"/>
+              </a:ext>
+            </a:extLst>
+          </p:cNvPr>
+          <p:cNvSpPr>
+            <a:spLocks noGrp="1"/>
+          </p:cNvSpPr>
+          <p:nvPr>
+            <p:ph type="title"/>
+          </p:nvPr>
+        </p:nvSpPr>
+        <p:spPr>
+          <a:xfrm>
+            <a:off x="4142441" y="167712"/>
+            <a:ext cx="3907118" cy="920006"/>
+          </a:xfrm>
+        </p:spPr>
+        <p:txBody>
+          <a:bodyPr/>
+          <a:lstStyle/>
+          <a:p>
+            <a:r>
+              <a:rPr lang="en-US" dirty="0"/>
+              <a:t>WIREFRAMES</a:t>
+            </a:r>
+          </a:p>
+        </p:txBody>
+      </p:sp>
+      <p:pic>
+        <p:nvPicPr>
+          <p:cNvPr id="5" name="Picture 4" descr="Calendar&#10;&#10;Description automatically generated">
+            <a:extLst>
+              <a:ext uri="{FF2B5EF4-FFF2-40B4-BE49-F238E27FC236}">
+                <a16:creationId xmlns:a16="http://schemas.microsoft.com/office/drawing/2014/main" id="{9D48C3CC-237D-1B51-3D5E-53E93B3A73DB}"/>
+              </a:ext>
+            </a:extLst>
+          </p:cNvPr>
+          <p:cNvPicPr>
+            <a:picLocks noChangeAspect="1"/>
+          </p:cNvPicPr>
+          <p:nvPr/>
+        </p:nvPicPr>
+        <p:blipFill>
+          <a:blip r:embed="rId2">
+            <a:extLst>
+              <a:ext uri="{28A0092B-C50C-407E-A947-70E740481C1C}">
+                <a14:useLocalDpi xmlns:a14="http://schemas.microsoft.com/office/drawing/2010/main" val="0"/>
+              </a:ext>
+            </a:extLst>
+          </a:blip>
+          <a:stretch>
+            <a:fillRect/>
+          </a:stretch>
+        </p:blipFill>
+        <p:spPr>
+          <a:xfrm>
+            <a:off x="487168" y="1172392"/>
+            <a:ext cx="5238719" cy="4408714"/>
+          </a:xfrm>
+          <a:prstGeom prst="rect">
+            <a:avLst/>
+          </a:prstGeom>
+        </p:spPr>
+      </p:pic>
+      <p:sp>
+        <p:nvSpPr>
+          <p:cNvPr id="8" name="TextBox 7">
+            <a:extLst>
+              <a:ext uri="{FF2B5EF4-FFF2-40B4-BE49-F238E27FC236}">
+                <a16:creationId xmlns:a16="http://schemas.microsoft.com/office/drawing/2014/main" id="{CF59A36A-B09F-3C0D-C290-964394B5EC6C}"/>
+              </a:ext>
+            </a:extLst>
+          </p:cNvPr>
+          <p:cNvSpPr txBox="1"/>
+          <p:nvPr/>
+        </p:nvSpPr>
+        <p:spPr>
+          <a:xfrm>
+            <a:off x="8260336" y="1178522"/>
+            <a:ext cx="1469572" cy="307777"/>
+          </a:xfrm>
+          <a:prstGeom prst="rect">
+            <a:avLst/>
+          </a:prstGeom>
+          <a:noFill/>
+        </p:spPr>
+        <p:txBody>
+          <a:bodyPr wrap="square" rtlCol="0">
+            <a:spAutoFit/>
+          </a:bodyPr>
+          <a:lstStyle/>
+          <a:p>
+            <a:r>
+              <a:rPr lang="en-US" sz="1400" dirty="0"/>
+              <a:t>Home page</a:t>
+            </a:r>
+          </a:p>
+        </p:txBody>
+      </p:sp>
+      <p:pic>
+        <p:nvPicPr>
+          <p:cNvPr id="4" name="Picture 3" descr="Graphical user interface, text&#10;&#10;Description automatically generated">
+            <a:extLst>
+              <a:ext uri="{FF2B5EF4-FFF2-40B4-BE49-F238E27FC236}">
+                <a16:creationId xmlns:a16="http://schemas.microsoft.com/office/drawing/2014/main" id="{158A0DA0-17B9-5B59-1017-3C99A1AE244D}"/>
+              </a:ext>
+            </a:extLst>
+          </p:cNvPr>
+          <p:cNvPicPr>
+            <a:picLocks noChangeAspect="1"/>
+          </p:cNvPicPr>
+          <p:nvPr/>
+        </p:nvPicPr>
+        <p:blipFill>
+          <a:blip r:embed="rId3">
+            <a:extLst>
+              <a:ext uri="{28A0092B-C50C-407E-A947-70E740481C1C}">
+                <a14:useLocalDpi xmlns:a14="http://schemas.microsoft.com/office/drawing/2010/main" val="0"/>
+              </a:ext>
+            </a:extLst>
+          </a:blip>
+          <a:stretch>
+            <a:fillRect/>
+          </a:stretch>
+        </p:blipFill>
+        <p:spPr>
+          <a:xfrm>
+            <a:off x="6096000" y="1457308"/>
+            <a:ext cx="5484735" cy="4068281"/>
+          </a:xfrm>
+          <a:prstGeom prst="rect">
+            <a:avLst/>
+          </a:prstGeom>
+        </p:spPr>
+      </p:pic>
+    </p:spTree>
+    <p:extLst>
+      <p:ext uri="{BB962C8B-B14F-4D97-AF65-F5344CB8AC3E}">
+        <p14:creationId xmlns:p14="http://schemas.microsoft.com/office/powerpoint/2010/main" val="3412812686"/>
+      </p:ext>
+    </p:extLst>
+  </p:cSld>
+  <p:clrMapOvr>
+    <a:masterClrMapping/>
+  </p:clrMapOvr>
+</p:sld>
+</file>
+
+<file path=ppt/slides/slide4.xml><?xml version="1.0" encoding="utf-8"?>
+<p:sld xmlns:a="http://schemas.openxmlformats.org/drawingml/2006/main" xmlns:r="http://schemas.openxmlformats.org/officeDocument/2006/relationships" xmlns:p="http://schemas.openxmlformats.org/presentationml/2006/main">
+  <p:cSld>
+    <p:spTree>
+      <p:nvGrpSpPr>
+        <p:cNvPr id="1" name=""/>
+        <p:cNvGrpSpPr/>
+        <p:nvPr/>
+      </p:nvGrpSpPr>
+      <p:grpSpPr>
+        <a:xfrm>
+          <a:off x="0" y="0"/>
+          <a:ext cx="0" cy="0"/>
+          <a:chOff x="0" y="0"/>
+          <a:chExt cx="0" cy="0"/>
+        </a:xfrm>
+      </p:grpSpPr>
+      <p:sp>
+        <p:nvSpPr>
+          <p:cNvPr id="2" name="Title 1">
+            <a:extLst>
+              <a:ext uri="{FF2B5EF4-FFF2-40B4-BE49-F238E27FC236}">
+                <a16:creationId xmlns:a16="http://schemas.microsoft.com/office/drawing/2014/main" id="{C533BB7C-4CCC-CCDB-FBF8-924464CB2CB9}"/>
+              </a:ext>
+            </a:extLst>
+          </p:cNvPr>
+          <p:cNvSpPr>
+            <a:spLocks noGrp="1"/>
+          </p:cNvSpPr>
+          <p:nvPr>
+            <p:ph type="title"/>
+          </p:nvPr>
+        </p:nvSpPr>
+        <p:spPr>
+          <a:xfrm>
+            <a:off x="4142441" y="167712"/>
+            <a:ext cx="3907118" cy="920006"/>
+          </a:xfrm>
+        </p:spPr>
+        <p:txBody>
+          <a:bodyPr/>
+          <a:lstStyle/>
+          <a:p>
+            <a:r>
+              <a:rPr lang="en-US" dirty="0"/>
+              <a:t>WIREFRAMES</a:t>
+            </a:r>
+          </a:p>
+        </p:txBody>
+      </p:sp>
+      <p:pic>
+        <p:nvPicPr>
+          <p:cNvPr id="10" name="Picture 9" descr="Graphical user interface, text&#10;&#10;Description automatically generated">
+            <a:extLst>
+              <a:ext uri="{FF2B5EF4-FFF2-40B4-BE49-F238E27FC236}">
+                <a16:creationId xmlns:a16="http://schemas.microsoft.com/office/drawing/2014/main" id="{1A10DB68-FB0D-7AAC-A6B2-4EF05F8B8F1D}"/>
+              </a:ext>
+            </a:extLst>
+          </p:cNvPr>
+          <p:cNvPicPr>
+            <a:picLocks noChangeAspect="1"/>
+          </p:cNvPicPr>
+          <p:nvPr/>
+        </p:nvPicPr>
+        <p:blipFill>
+          <a:blip r:embed="rId2">
+            <a:extLst>
+              <a:ext uri="{28A0092B-C50C-407E-A947-70E740481C1C}">
+                <a14:useLocalDpi xmlns:a14="http://schemas.microsoft.com/office/drawing/2010/main" val="0"/>
+              </a:ext>
+            </a:extLst>
+          </a:blip>
+          <a:stretch>
+            <a:fillRect/>
+          </a:stretch>
+        </p:blipFill>
+        <p:spPr>
+          <a:xfrm>
+            <a:off x="63843" y="1319348"/>
+            <a:ext cx="5819311" cy="4219303"/>
+          </a:xfrm>
+          <a:prstGeom prst="rect">
+            <a:avLst/>
+          </a:prstGeom>
+        </p:spPr>
+      </p:pic>
+      <p:pic>
+        <p:nvPicPr>
+          <p:cNvPr id="12" name="Picture 11" descr="Graphical user interface, website&#10;&#10;Description automatically generated">
+            <a:extLst>
+              <a:ext uri="{FF2B5EF4-FFF2-40B4-BE49-F238E27FC236}">
+                <a16:creationId xmlns:a16="http://schemas.microsoft.com/office/drawing/2014/main" id="{607DD88A-3B8F-0A37-4F1D-925359E379E8}"/>
+              </a:ext>
+            </a:extLst>
+          </p:cNvPr>
+          <p:cNvPicPr>
+            <a:picLocks noChangeAspect="1"/>
+          </p:cNvPicPr>
+          <p:nvPr/>
+        </p:nvPicPr>
+        <p:blipFill>
+          <a:blip r:embed="rId3">
+            <a:extLst>
+              <a:ext uri="{28A0092B-C50C-407E-A947-70E740481C1C}">
+                <a14:useLocalDpi xmlns:a14="http://schemas.microsoft.com/office/drawing/2010/main" val="0"/>
+              </a:ext>
+            </a:extLst>
+          </a:blip>
+          <a:stretch>
+            <a:fillRect/>
+          </a:stretch>
+        </p:blipFill>
+        <p:spPr>
+          <a:xfrm>
+            <a:off x="6308847" y="1417320"/>
+            <a:ext cx="5532633" cy="4121331"/>
+          </a:xfrm>
+          <a:prstGeom prst="rect">
+            <a:avLst/>
+          </a:prstGeom>
+        </p:spPr>
+      </p:pic>
+    </p:spTree>
+    <p:extLst>
+      <p:ext uri="{BB962C8B-B14F-4D97-AF65-F5344CB8AC3E}">
+        <p14:creationId xmlns:p14="http://schemas.microsoft.com/office/powerpoint/2010/main" val="525780242"/>
+      </p:ext>
+    </p:extLst>
+  </p:cSld>
+  <p:clrMapOvr>
+    <a:masterClrMapping/>
+  </p:clrMapOvr>
+</p:sld>
+</file>
+
+<file path=ppt/slides/slide5.xml><?xml version="1.0" encoding="utf-8"?>
+<p:sld xmlns:a="http://schemas.openxmlformats.org/drawingml/2006/main" xmlns:r="http://schemas.openxmlformats.org/officeDocument/2006/relationships" xmlns:p="http://schemas.openxmlformats.org/presentationml/2006/main">
+  <p:cSld>
+    <p:spTree>
+      <p:nvGrpSpPr>
+        <p:cNvPr id="1" name=""/>
+        <p:cNvGrpSpPr/>
+        <p:nvPr/>
+      </p:nvGrpSpPr>
+      <p:grpSpPr>
+        <a:xfrm>
+          <a:off x="0" y="0"/>
+          <a:ext cx="0" cy="0"/>
+          <a:chOff x="0" y="0"/>
+          <a:chExt cx="0" cy="0"/>
+        </a:xfrm>
+      </p:grpSpPr>
+      <p:sp>
+        <p:nvSpPr>
+          <p:cNvPr id="2" name="Title 1">
+            <a:extLst>
+              <a:ext uri="{FF2B5EF4-FFF2-40B4-BE49-F238E27FC236}">
+                <a16:creationId xmlns:a16="http://schemas.microsoft.com/office/drawing/2014/main" id="{C533BB7C-4CCC-CCDB-FBF8-924464CB2CB9}"/>
+              </a:ext>
+            </a:extLst>
+          </p:cNvPr>
+          <p:cNvSpPr>
+            <a:spLocks noGrp="1"/>
+          </p:cNvSpPr>
+          <p:nvPr>
+            <p:ph type="title"/>
+          </p:nvPr>
+        </p:nvSpPr>
+        <p:spPr>
+          <a:xfrm>
+            <a:off x="4142441" y="167712"/>
+            <a:ext cx="3907118" cy="920006"/>
+          </a:xfrm>
+        </p:spPr>
+        <p:txBody>
+          <a:bodyPr/>
+          <a:lstStyle/>
+          <a:p>
+            <a:r>
+              <a:rPr lang="en-US" dirty="0"/>
+              <a:t>WIREFRAMES</a:t>
+            </a:r>
+          </a:p>
+        </p:txBody>
+      </p:sp>
+      <p:pic>
+        <p:nvPicPr>
+          <p:cNvPr id="4" name="Picture 3" descr="A picture containing building, window&#10;&#10;Description automatically generated">
+            <a:extLst>
+              <a:ext uri="{FF2B5EF4-FFF2-40B4-BE49-F238E27FC236}">
+                <a16:creationId xmlns:a16="http://schemas.microsoft.com/office/drawing/2014/main" id="{99C01A26-0608-6C92-462C-1A904B7D2181}"/>
+              </a:ext>
+            </a:extLst>
+          </p:cNvPr>
+          <p:cNvPicPr>
+            <a:picLocks noChangeAspect="1"/>
+          </p:cNvPicPr>
+          <p:nvPr/>
+        </p:nvPicPr>
+        <p:blipFill>
+          <a:blip r:embed="rId2">
+            <a:extLst>
+              <a:ext uri="{28A0092B-C50C-407E-A947-70E740481C1C}">
+                <a14:useLocalDpi xmlns:a14="http://schemas.microsoft.com/office/drawing/2010/main" val="0"/>
+              </a:ext>
+            </a:extLst>
+          </a:blip>
+          <a:stretch>
+            <a:fillRect/>
+          </a:stretch>
+        </p:blipFill>
+        <p:spPr>
+          <a:xfrm>
+            <a:off x="228087" y="1394060"/>
+            <a:ext cx="5867913" cy="4101737"/>
+          </a:xfrm>
+          <a:prstGeom prst="rect">
+            <a:avLst/>
+          </a:prstGeom>
+        </p:spPr>
+      </p:pic>
+      <p:pic>
+        <p:nvPicPr>
+          <p:cNvPr id="9" name="Picture 8" descr="A picture containing diagram&#10;&#10;Description automatically generated">
+            <a:extLst>
+              <a:ext uri="{FF2B5EF4-FFF2-40B4-BE49-F238E27FC236}">
+                <a16:creationId xmlns:a16="http://schemas.microsoft.com/office/drawing/2014/main" id="{09DC6108-20DA-8CE4-BFCD-F84E47847A11}"/>
+              </a:ext>
+            </a:extLst>
+          </p:cNvPr>
+          <p:cNvPicPr>
+            <a:picLocks noChangeAspect="1"/>
+          </p:cNvPicPr>
+          <p:nvPr/>
+        </p:nvPicPr>
+        <p:blipFill>
+          <a:blip r:embed="rId3">
+            <a:extLst>
+              <a:ext uri="{28A0092B-C50C-407E-A947-70E740481C1C}">
+                <a14:useLocalDpi xmlns:a14="http://schemas.microsoft.com/office/drawing/2010/main" val="0"/>
+              </a:ext>
+            </a:extLst>
+          </a:blip>
+          <a:stretch>
+            <a:fillRect/>
+          </a:stretch>
+        </p:blipFill>
+        <p:spPr>
+          <a:xfrm>
+            <a:off x="6472645" y="1759820"/>
+            <a:ext cx="5425952" cy="3948649"/>
+          </a:xfrm>
+          <a:prstGeom prst="rect">
+            <a:avLst/>
+          </a:prstGeom>
+        </p:spPr>
+      </p:pic>
+    </p:spTree>
+    <p:extLst>
+      <p:ext uri="{BB962C8B-B14F-4D97-AF65-F5344CB8AC3E}">
+        <p14:creationId xmlns:p14="http://schemas.microsoft.com/office/powerpoint/2010/main" val="2907891444"/>
+      </p:ext>
+    </p:extLst>
+  </p:cSld>
+  <p:clrMapOvr>
+    <a:masterClrMapping/>
+  </p:clrMapOvr>
+</p:sld>
+</file>
+
+<file path=ppt/slides/slide6.xml><?xml version="1.0" encoding="utf-8"?>
+<p:sld xmlns:a="http://schemas.openxmlformats.org/drawingml/2006/main" xmlns:r="http://schemas.openxmlformats.org/officeDocument/2006/relationships" xmlns:p="http://schemas.openxmlformats.org/presentationml/2006/main">
+  <p:cSld>
+    <p:spTree>
+      <p:nvGrpSpPr>
+        <p:cNvPr id="1" name=""/>
+        <p:cNvGrpSpPr/>
+        <p:nvPr/>
+      </p:nvGrpSpPr>
+      <p:grpSpPr>
+        <a:xfrm>
+          <a:off x="0" y="0"/>
+          <a:ext cx="0" cy="0"/>
+          <a:chOff x="0" y="0"/>
+          <a:chExt cx="0" cy="0"/>
+        </a:xfrm>
+      </p:grpSpPr>
+      <p:sp>
+        <p:nvSpPr>
+          <p:cNvPr id="2" name="Title 1">
+            <a:extLst>
+              <a:ext uri="{FF2B5EF4-FFF2-40B4-BE49-F238E27FC236}">
+                <a16:creationId xmlns:a16="http://schemas.microsoft.com/office/drawing/2014/main" id="{80F432A4-0C2F-E045-AEC3-9FFF8D85470B}"/>
+              </a:ext>
+            </a:extLst>
+          </p:cNvPr>
+          <p:cNvSpPr>
+            <a:spLocks noGrp="1"/>
+          </p:cNvSpPr>
+          <p:nvPr>
+            <p:ph type="title"/>
+          </p:nvPr>
+        </p:nvSpPr>
+        <p:spPr/>
+        <p:txBody>
+          <a:bodyPr>
+            <a:normAutofit/>
+          </a:bodyPr>
+          <a:lstStyle/>
+          <a:p>
+            <a:r>
+              <a:rPr lang="en-US" sz="3200" dirty="0"/>
+              <a:t>WHAT DID WE LEARN?</a:t>
+            </a:r>
+          </a:p>
+        </p:txBody>
+      </p:sp>
+      <p:sp>
+        <p:nvSpPr>
+          <p:cNvPr id="3" name="Content Placeholder 2">
+            <a:extLst>
+              <a:ext uri="{FF2B5EF4-FFF2-40B4-BE49-F238E27FC236}">
+                <a16:creationId xmlns:a16="http://schemas.microsoft.com/office/drawing/2014/main" id="{85D8AA0A-B0F8-5E7C-99A9-77B2C0D8599E}"/>
+              </a:ext>
+            </a:extLst>
+          </p:cNvPr>
+          <p:cNvSpPr>
+            <a:spLocks noGrp="1"/>
+          </p:cNvSpPr>
+          <p:nvPr>
+            <p:ph idx="1"/>
+          </p:nvPr>
+        </p:nvSpPr>
+        <p:spPr/>
+        <p:txBody>
+          <a:bodyPr/>
+          <a:lstStyle/>
+          <a:p>
+            <a:r>
+              <a:rPr lang="en-US" dirty="0"/>
+              <a:t>We used a mixture of Bootstrap and Tailwind, which towards the end of the project became more Tailwind and less Bootstrap. Tailwind when working properly is super user friendly</a:t>
+            </a:r>
+          </a:p>
+          <a:p>
+            <a:r>
+              <a:rPr lang="en-US" dirty="0"/>
+              <a:t>Utilizing </a:t>
+            </a:r>
+            <a:r>
+              <a:rPr lang="en-US" dirty="0" err="1"/>
+              <a:t>Sequelize</a:t>
+            </a:r>
+            <a:r>
+              <a:rPr lang="en-US" dirty="0"/>
+              <a:t> for our ORM instead of Knex</a:t>
+            </a:r>
+          </a:p>
+          <a:p>
+            <a:r>
+              <a:rPr lang="en-US" dirty="0"/>
+              <a:t>Utilized more semantic HTML tags when appropriate instead of good </a:t>
+            </a:r>
+            <a:r>
+              <a:rPr lang="en-US" dirty="0" err="1"/>
+              <a:t>ol</a:t>
+            </a:r>
+            <a:r>
+              <a:rPr lang="en-US" dirty="0"/>
+              <a:t>’ &lt;div&gt; </a:t>
+            </a:r>
+          </a:p>
+          <a:p>
+            <a:r>
+              <a:rPr lang="en-US" dirty="0"/>
+              <a:t>Drag n Drop snapping and tracking is complicated and thought intensive</a:t>
+            </a:r>
+          </a:p>
+          <a:p>
+            <a:pPr marL="0" indent="0">
+              <a:buNone/>
+            </a:pPr>
+            <a:endParaRPr lang="en-US" dirty="0"/>
+          </a:p>
+        </p:txBody>
+      </p:sp>
+    </p:spTree>
+    <p:extLst>
+      <p:ext uri="{BB962C8B-B14F-4D97-AF65-F5344CB8AC3E}">
+        <p14:creationId xmlns:p14="http://schemas.microsoft.com/office/powerpoint/2010/main" val="1673677412"/>
+      </p:ext>
+    </p:extLst>
+  </p:cSld>
+  <p:clrMapOvr>
+    <a:masterClrMapping/>
+  </p:clrMapOvr>
+</p:sld>
+</file>
+
+<file path=ppt/slides/slide7.xml><?xml version="1.0" encoding="utf-8"?>
+<p:sld xmlns:a="http://schemas.openxmlformats.org/drawingml/2006/main" xmlns:r="http://schemas.openxmlformats.org/officeDocument/2006/relationships" xmlns:p="http://schemas.openxmlformats.org/presentationml/2006/main">
+  <p:cSld>
+    <p:spTree>
+      <p:nvGrpSpPr>
+        <p:cNvPr id="1" name=""/>
+        <p:cNvGrpSpPr/>
+        <p:nvPr/>
+      </p:nvGrpSpPr>
+      <p:grpSpPr>
+        <a:xfrm>
+          <a:off x="0" y="0"/>
+          <a:ext cx="0" cy="0"/>
+          <a:chOff x="0" y="0"/>
+          <a:chExt cx="0" cy="0"/>
+        </a:xfrm>
+      </p:grpSpPr>
+      <p:sp>
+        <p:nvSpPr>
+          <p:cNvPr id="2" name="Title 1">
+            <a:extLst>
+              <a:ext uri="{FF2B5EF4-FFF2-40B4-BE49-F238E27FC236}">
+                <a16:creationId xmlns:a16="http://schemas.microsoft.com/office/drawing/2014/main" id="{80F432A4-0C2F-E045-AEC3-9FFF8D85470B}"/>
+              </a:ext>
+            </a:extLst>
+          </p:cNvPr>
+          <p:cNvSpPr>
+            <a:spLocks noGrp="1"/>
+          </p:cNvSpPr>
+          <p:nvPr>
+            <p:ph type="title"/>
+          </p:nvPr>
+        </p:nvSpPr>
+        <p:spPr/>
+        <p:txBody>
+          <a:bodyPr>
+            <a:normAutofit/>
+          </a:bodyPr>
+          <a:lstStyle/>
+          <a:p>
+            <a:r>
+              <a:rPr lang="en-US" sz="3200" dirty="0"/>
+              <a:t>WHAT DID/DIDN’T GO WELL</a:t>
+            </a:r>
+          </a:p>
+        </p:txBody>
+      </p:sp>
+      <p:sp>
+        <p:nvSpPr>
+          <p:cNvPr id="3" name="Content Placeholder 2">
+            <a:extLst>
+              <a:ext uri="{FF2B5EF4-FFF2-40B4-BE49-F238E27FC236}">
+                <a16:creationId xmlns:a16="http://schemas.microsoft.com/office/drawing/2014/main" id="{85D8AA0A-B0F8-5E7C-99A9-77B2C0D8599E}"/>
+              </a:ext>
+            </a:extLst>
+          </p:cNvPr>
+          <p:cNvSpPr>
+            <a:spLocks noGrp="1"/>
+          </p:cNvSpPr>
+          <p:nvPr>
+            <p:ph idx="1"/>
+          </p:nvPr>
+        </p:nvSpPr>
+        <p:spPr/>
+        <p:txBody>
+          <a:bodyPr>
+            <a:normAutofit/>
+          </a:bodyPr>
+          <a:lstStyle/>
+          <a:p>
+            <a:r>
+              <a:rPr lang="en-US" dirty="0"/>
+              <a:t>Tailwind went very well this time around, unlike project 3….</a:t>
+            </a:r>
+          </a:p>
+          <a:p>
+            <a:r>
+              <a:rPr lang="en-US" dirty="0"/>
+              <a:t>Utilizing </a:t>
+            </a:r>
+            <a:r>
+              <a:rPr lang="en-US" dirty="0" err="1"/>
+              <a:t>Sequelize</a:t>
+            </a:r>
+            <a:r>
+              <a:rPr lang="en-US" dirty="0"/>
+              <a:t> for our ORM instead of Knex. The foreign key relations is far more complicated than with Knex, so building extensive tables that rely on each other is very confusing.</a:t>
+            </a:r>
+          </a:p>
+          <a:p>
+            <a:r>
+              <a:rPr lang="en-US" dirty="0"/>
+              <a:t>Creating a component with TypeScript didn’t go well at first, but we made it work and has been well worth the effort.</a:t>
+            </a:r>
+          </a:p>
+          <a:p>
+            <a:r>
+              <a:rPr lang="en-US" dirty="0"/>
+              <a:t>Special thanks to Emilio for quick vision on the wireframes and setup of front end</a:t>
+            </a:r>
+          </a:p>
+          <a:p>
+            <a:pPr marL="0" indent="0">
+              <a:buNone/>
+            </a:pPr>
+            <a:endParaRPr lang="en-US" dirty="0"/>
+          </a:p>
+        </p:txBody>
+      </p:sp>
+    </p:spTree>
+    <p:extLst>
+      <p:ext uri="{BB962C8B-B14F-4D97-AF65-F5344CB8AC3E}">
+        <p14:creationId xmlns:p14="http://schemas.microsoft.com/office/powerpoint/2010/main" val="3651999008"/>
+      </p:ext>
+    </p:extLst>
+  </p:cSld>
+  <p:clrMapOvr>
+    <a:masterClrMapping/>
+  </p:clrMapOvr>
+</p:sld>
+</file>
+
+<file path=ppt/slides/slide8.xml><?xml version="1.0" encoding="utf-8"?>
+<p:sld xmlns:a="http://schemas.openxmlformats.org/drawingml/2006/main" xmlns:r="http://schemas.openxmlformats.org/officeDocument/2006/relationships" xmlns:p="http://schemas.openxmlformats.org/presentationml/2006/main">
+  <p:cSld>
+    <p:spTree>
+      <p:nvGrpSpPr>
+        <p:cNvPr id="1" name=""/>
+        <p:cNvGrpSpPr/>
+        <p:nvPr/>
+      </p:nvGrpSpPr>
+      <p:grpSpPr>
+        <a:xfrm>
+          <a:off x="0" y="0"/>
+          <a:ext cx="0" cy="0"/>
+          <a:chOff x="0" y="0"/>
+          <a:chExt cx="0" cy="0"/>
+        </a:xfrm>
+      </p:grpSpPr>
+      <p:sp>
+        <p:nvSpPr>
+          <p:cNvPr id="2" name="Title 1">
+            <a:extLst>
+              <a:ext uri="{FF2B5EF4-FFF2-40B4-BE49-F238E27FC236}">
+                <a16:creationId xmlns:a16="http://schemas.microsoft.com/office/drawing/2014/main" id="{375EFFE4-3C6B-6931-7F69-76CD4AEC4CEA}"/>
+              </a:ext>
+            </a:extLst>
+          </p:cNvPr>
+          <p:cNvSpPr>
+            <a:spLocks noGrp="1"/>
+          </p:cNvSpPr>
+          <p:nvPr>
+            <p:ph type="title"/>
+          </p:nvPr>
+        </p:nvSpPr>
+        <p:spPr/>
+        <p:txBody>
+          <a:bodyPr/>
+          <a:lstStyle/>
+          <a:p>
+            <a:r>
+              <a:rPr lang="en-US" dirty="0"/>
+              <a:t>Hardest challenge</a:t>
+            </a:r>
+          </a:p>
+        </p:txBody>
+      </p:sp>
+      <p:sp>
+        <p:nvSpPr>
+          <p:cNvPr id="3" name="Content Placeholder 2">
+            <a:extLst>
+              <a:ext uri="{FF2B5EF4-FFF2-40B4-BE49-F238E27FC236}">
+                <a16:creationId xmlns:a16="http://schemas.microsoft.com/office/drawing/2014/main" id="{8AD47A30-3BFF-9DBA-71E2-CAAE72B5EF98}"/>
+              </a:ext>
+            </a:extLst>
+          </p:cNvPr>
+          <p:cNvSpPr>
+            <a:spLocks noGrp="1"/>
+          </p:cNvSpPr>
+          <p:nvPr>
+            <p:ph idx="1"/>
+          </p:nvPr>
+        </p:nvSpPr>
+        <p:spPr/>
+        <p:txBody>
+          <a:bodyPr/>
+          <a:lstStyle/>
+          <a:p>
+            <a:r>
+              <a:rPr lang="en-US" dirty="0"/>
+              <a:t>A mixture of </a:t>
+            </a:r>
+            <a:r>
+              <a:rPr lang="en-US" dirty="0" err="1"/>
+              <a:t>Sequelize</a:t>
+            </a:r>
+            <a:r>
+              <a:rPr lang="en-US" dirty="0"/>
+              <a:t> and the drag and drop, due to the finicky nature of both.</a:t>
+            </a:r>
+          </a:p>
+        </p:txBody>
+      </p:sp>
+    </p:spTree>
+    <p:extLst>
+      <p:ext uri="{BB962C8B-B14F-4D97-AF65-F5344CB8AC3E}">
+        <p14:creationId xmlns:p14="http://schemas.microsoft.com/office/powerpoint/2010/main" val="689211556"/>
+      </p:ext>
+    </p:extLst>
+  </p:cSld>
+  <p:clrMapOvr>
+    <a:masterClrMapping/>
+  </p:clrMapOvr>
+</p:sld>
+</file>
+
+<file path=ppt/slides/slide9.xml><?xml version="1.0" encoding="utf-8"?>
+<p:sld xmlns:a="http://schemas.openxmlformats.org/drawingml/2006/main" xmlns:r="http://schemas.openxmlformats.org/officeDocument/2006/relationships" xmlns:p="http://schemas.openxmlformats.org/presentationml/2006/main">
+  <p:cSld>
+    <p:spTree>
+      <p:nvGrpSpPr>
+        <p:cNvPr id="1" name=""/>
+        <p:cNvGrpSpPr/>
+        <p:nvPr/>
+      </p:nvGrpSpPr>
+      <p:grpSpPr>
+        <a:xfrm>
+          <a:off x="0" y="0"/>
+          <a:ext cx="0" cy="0"/>
+          <a:chOff x="0" y="0"/>
+          <a:chExt cx="0" cy="0"/>
+        </a:xfrm>
+      </p:grpSpPr>
+      <p:sp>
+        <p:nvSpPr>
+          <p:cNvPr id="2" name="Title 1">
+            <a:extLst>
+              <a:ext uri="{FF2B5EF4-FFF2-40B4-BE49-F238E27FC236}">
+                <a16:creationId xmlns:a16="http://schemas.microsoft.com/office/drawing/2014/main" id="{375EFFE4-3C6B-6931-7F69-76CD4AEC4CEA}"/>
+              </a:ext>
+            </a:extLst>
+          </p:cNvPr>
+          <p:cNvSpPr>
+            <a:spLocks noGrp="1"/>
+          </p:cNvSpPr>
+          <p:nvPr>
+            <p:ph type="title"/>
+          </p:nvPr>
+        </p:nvSpPr>
+        <p:spPr/>
+        <p:txBody>
+          <a:bodyPr/>
+          <a:lstStyle/>
+          <a:p>
+            <a:r>
+              <a:rPr lang="en-US" dirty="0"/>
+              <a:t>If we had more time?</a:t>
+            </a:r>
+          </a:p>
+        </p:txBody>
+      </p:sp>
+      <p:sp>
+        <p:nvSpPr>
+          <p:cNvPr id="3" name="Content Placeholder 2">
+            <a:extLst>
+              <a:ext uri="{FF2B5EF4-FFF2-40B4-BE49-F238E27FC236}">
+                <a16:creationId xmlns:a16="http://schemas.microsoft.com/office/drawing/2014/main" id="{8AD47A30-3BFF-9DBA-71E2-CAAE72B5EF98}"/>
+              </a:ext>
+            </a:extLst>
+          </p:cNvPr>
+          <p:cNvSpPr>
+            <a:spLocks noGrp="1"/>
+          </p:cNvSpPr>
+          <p:nvPr>
+            <p:ph idx="1"/>
+          </p:nvPr>
+        </p:nvSpPr>
+        <p:spPr/>
+        <p:txBody>
+          <a:bodyPr/>
+          <a:lstStyle/>
+          <a:p>
+            <a:r>
+              <a:rPr lang="en-US" dirty="0"/>
+              <a:t>Generate exportable PDF reports for task/admin metrics that can be sent to leadership.</a:t>
+            </a:r>
+          </a:p>
+          <a:p>
+            <a:endParaRPr lang="en-US" dirty="0"/>
+          </a:p>
+          <a:p>
+            <a:r>
+              <a:rPr lang="en-US" dirty="0"/>
+              <a:t>Import PDFs into the site, edit, and then export. Thinking along the lines of 1206s, EPRs etc.</a:t>
+            </a:r>
+          </a:p>
+        </p:txBody>
+      </p:sp>
+    </p:spTree>
+    <p:extLst>
+      <p:ext uri="{BB962C8B-B14F-4D97-AF65-F5344CB8AC3E}">
+        <p14:creationId xmlns:p14="http://schemas.microsoft.com/office/powerpoint/2010/main" val="192571130"/>
       </p:ext>
     </p:extLst>
   </p:cSld>
